--- a/Abschlusspräsentation/IoT_Network_Security.pptx
+++ b/Abschlusspräsentation/IoT_Network_Security.pptx
@@ -319,6 +319,7 @@
     <p1510:client id="{B116408F-4978-4941-A4E2-A1E4B92715D4}" v="13" dt="2023-06-05T22:35:19.997"/>
     <p1510:client id="{B56537DF-65EE-4E28-8DF1-60715178C1C7}" v="429" dt="2023-06-05T15:18:55.039"/>
     <p1510:client id="{BF93098C-8444-4C8D-A11F-365449E762E9}" v="96" dt="2023-06-05T15:46:48.030"/>
+    <p1510:client id="{C3FC96EC-9F1F-4DF0-A002-66AB0AF4E183}" v="1877" dt="2023-07-11T11:20:33.292"/>
     <p1510:client id="{D6EE0244-53CE-4168-B50B-F76ABC06084C}" v="9" dt="2023-05-15T11:50:10.630"/>
     <p1510:client id="{DCF1E20C-DF9D-4B72-9A28-A454504977C5}" v="99" dt="2023-07-09T16:34:09.500"/>
     <p1510:client id="{EC9BA666-2830-41C1-9C03-C0C48301BF4C}" v="1261" dt="2023-07-09T21:59:49.384"/>
@@ -31511,7 +31512,7 @@
                             </p:stCondLst>
                             <p:childTnLst>
                               <p:par>
-                                <p:cTn id="5" presetID="2" presetClass="entr" presetSubtype="4" fill="hold" nodeType="clickEffect">
+                                <p:cTn id="5" presetID="1" presetClass="entr" presetSubtype="0" fill="hold" nodeType="clickEffect">
                                   <p:stCondLst>
                                     <p:cond delay="0"/>
                                   </p:stCondLst>
@@ -31534,52 +31535,6 @@
                                         <p:strVal val="visible"/>
                                       </p:to>
                                     </p:set>
-                                    <p:anim calcmode="lin" valueType="num">
-                                      <p:cBhvr additive="base">
-                                        <p:cTn id="7" dur="500" fill="hold"/>
-                                        <p:tgtEl>
-                                          <p:spTgt spid="14"/>
-                                        </p:tgtEl>
-                                        <p:attrNameLst>
-                                          <p:attrName>ppt_x</p:attrName>
-                                        </p:attrNameLst>
-                                      </p:cBhvr>
-                                      <p:tavLst>
-                                        <p:tav tm="0">
-                                          <p:val>
-                                            <p:strVal val="#ppt_x"/>
-                                          </p:val>
-                                        </p:tav>
-                                        <p:tav tm="100000">
-                                          <p:val>
-                                            <p:strVal val="#ppt_x"/>
-                                          </p:val>
-                                        </p:tav>
-                                      </p:tavLst>
-                                    </p:anim>
-                                    <p:anim calcmode="lin" valueType="num">
-                                      <p:cBhvr additive="base">
-                                        <p:cTn id="8" dur="500" fill="hold"/>
-                                        <p:tgtEl>
-                                          <p:spTgt spid="14"/>
-                                        </p:tgtEl>
-                                        <p:attrNameLst>
-                                          <p:attrName>ppt_y</p:attrName>
-                                        </p:attrNameLst>
-                                      </p:cBhvr>
-                                      <p:tavLst>
-                                        <p:tav tm="0">
-                                          <p:val>
-                                            <p:strVal val="1+#ppt_h/2"/>
-                                          </p:val>
-                                        </p:tav>
-                                        <p:tav tm="100000">
-                                          <p:val>
-                                            <p:strVal val="#ppt_y"/>
-                                          </p:val>
-                                        </p:tav>
-                                      </p:tavLst>
-                                    </p:anim>
                                   </p:childTnLst>
                                 </p:cTn>
                               </p:par>
@@ -31784,7 +31739,7 @@
         <p:spPr>
           <a:xfrm>
             <a:off x="252959" y="3250992"/>
-            <a:ext cx="4000500" cy="1592704"/>
+            <a:ext cx="4000500" cy="369332"/>
           </a:xfrm>
           <a:prstGeom prst="rect">
             <a:avLst/>
@@ -31801,7 +31756,9 @@
           <a:lstStyle/>
           <a:p>
             <a:pPr algn="l"/>
-            <a:endParaRPr lang="de-DE"/>
+            <a:endParaRPr lang="de-DE" dirty="0">
+              <a:cs typeface="Arial"/>
+            </a:endParaRPr>
           </a:p>
         </p:txBody>
       </p:sp>
@@ -31819,8 +31776,8 @@
         </p:nvSpPr>
         <p:spPr>
           <a:xfrm>
-            <a:off x="103057" y="3176040"/>
-            <a:ext cx="4843696" cy="369332"/>
+            <a:off x="458079" y="2362086"/>
+            <a:ext cx="4843696" cy="461665"/>
           </a:xfrm>
           <a:prstGeom prst="rect">
             <a:avLst/>
@@ -31836,9 +31793,114 @@
           </a:bodyPr>
           <a:lstStyle/>
           <a:p>
-            <a:endParaRPr lang="de-DE">
+            <a:pPr marL="285750" indent="-285750">
+              <a:buFont typeface="Arial"/>
+              <a:buChar char="•"/>
+            </a:pPr>
+            <a:r>
+              <a:rPr lang="de-DE" sz="1200" dirty="0">
+                <a:solidFill>
+                  <a:srgbClr val="003366"/>
+                </a:solidFill>
+                <a:latin typeface="Arial"/>
+                <a:cs typeface="Times New Roman"/>
+              </a:rPr>
+              <a:t>Server </a:t>
+            </a:r>
+            <a:r>
+              <a:rPr lang="de-DE" sz="1200" dirty="0" err="1">
+                <a:solidFill>
+                  <a:srgbClr val="003366"/>
+                </a:solidFill>
+                <a:latin typeface="Arial"/>
+                <a:cs typeface="Times New Roman"/>
+              </a:rPr>
+              <a:t>challenge</a:t>
+            </a:r>
+            <a:r>
+              <a:rPr lang="de-DE" sz="1200" dirty="0">
+                <a:solidFill>
+                  <a:srgbClr val="003366"/>
+                </a:solidFill>
+                <a:latin typeface="Arial"/>
+                <a:cs typeface="Times New Roman"/>
+              </a:rPr>
+              <a:t>:</a:t>
+            </a:r>
+            <a:endParaRPr lang="de-DE" sz="1200">
+              <a:solidFill>
+                <a:srgbClr val="003366"/>
+              </a:solidFill>
               <a:latin typeface="Arial"/>
-              <a:cs typeface="Arial"/>
+              <a:cs typeface="Arial" charset="0"/>
+            </a:endParaRPr>
+          </a:p>
+          <a:p>
+            <a:r>
+              <a:rPr lang="de-DE" sz="1200" dirty="0">
+                <a:solidFill>
+                  <a:srgbClr val="003366"/>
+                </a:solidFill>
+                <a:latin typeface="Arial"/>
+                <a:cs typeface="Times New Roman"/>
+              </a:rPr>
+              <a:t>                 M1p =  </a:t>
+            </a:r>
+            <a:r>
+              <a:rPr lang="de-DE" sz="1200" dirty="0">
+                <a:solidFill>
+                  <a:srgbClr val="003366"/>
+                </a:solidFill>
+                <a:latin typeface="Arial"/>
+                <a:cs typeface="Arial"/>
+              </a:rPr>
+              <a:t>AES{Yi, ( (Yi XOR </a:t>
+            </a:r>
+            <a:r>
+              <a:rPr lang="de-DE" sz="1200" dirty="0" err="1">
+                <a:solidFill>
+                  <a:srgbClr val="003366"/>
+                </a:solidFill>
+                <a:latin typeface="Arial"/>
+                <a:cs typeface="Arial"/>
+              </a:rPr>
+              <a:t>Ks</a:t>
+            </a:r>
+            <a:r>
+              <a:rPr lang="de-DE" sz="1200" dirty="0">
+                <a:solidFill>
+                  <a:srgbClr val="003366"/>
+                </a:solidFill>
+                <a:latin typeface="Arial"/>
+                <a:cs typeface="Arial"/>
+              </a:rPr>
+              <a:t>)  | </a:t>
+            </a:r>
+            <a:r>
+              <a:rPr lang="de-DE" sz="1200" dirty="0" err="1">
+                <a:solidFill>
+                  <a:srgbClr val="003366"/>
+                </a:solidFill>
+                <a:latin typeface="Arial"/>
+                <a:cs typeface="Arial"/>
+              </a:rPr>
+              <a:t>nonceServer</a:t>
+            </a:r>
+            <a:r>
+              <a:rPr lang="de-DE" sz="1200" dirty="0">
+                <a:solidFill>
+                  <a:srgbClr val="003366"/>
+                </a:solidFill>
+                <a:latin typeface="Arial"/>
+                <a:cs typeface="Arial"/>
+              </a:rPr>
+              <a:t>)}</a:t>
+            </a:r>
+            <a:endParaRPr lang="de-DE" sz="1200">
+              <a:solidFill>
+                <a:srgbClr val="003366"/>
+              </a:solidFill>
+              <a:cs typeface="Arial" charset="0"/>
             </a:endParaRPr>
           </a:p>
         </p:txBody>
@@ -31873,6 +31935,543 @@
           </a:prstGeom>
         </p:spPr>
       </p:pic>
+      <p:sp>
+        <p:nvSpPr>
+          <p:cNvPr id="7" name="Textfeld 6">
+            <a:extLst>
+              <a:ext uri="{FF2B5EF4-FFF2-40B4-BE49-F238E27FC236}">
+                <a16:creationId xmlns:a16="http://schemas.microsoft.com/office/drawing/2014/main" id="{C67F918A-DC24-8860-7B15-D984991A55D9}"/>
+              </a:ext>
+            </a:extLst>
+          </p:cNvPr>
+          <p:cNvSpPr txBox="1"/>
+          <p:nvPr/>
+        </p:nvSpPr>
+        <p:spPr>
+          <a:xfrm>
+            <a:off x="458930" y="3073978"/>
+            <a:ext cx="4970317" cy="1015663"/>
+          </a:xfrm>
+          <a:prstGeom prst="rect">
+            <a:avLst/>
+          </a:prstGeom>
+          <a:noFill/>
+        </p:spPr>
+        <p:txBody>
+          <a:bodyPr rot="0" spcFirstLastPara="0" vertOverflow="overflow" horzOverflow="overflow" vert="horz" wrap="square" lIns="91440" tIns="45720" rIns="91440" bIns="45720" numCol="1" spcCol="0" rtlCol="0" fromWordArt="0" anchor="t" anchorCtr="0" forceAA="0" compatLnSpc="1">
+            <a:prstTxWarp prst="textNoShape">
+              <a:avLst/>
+            </a:prstTxWarp>
+            <a:spAutoFit/>
+          </a:bodyPr>
+          <a:lstStyle/>
+          <a:p>
+            <a:pPr marL="285750" indent="-285750">
+              <a:buFont typeface="Arial"/>
+              <a:buChar char="•"/>
+            </a:pPr>
+            <a:r>
+              <a:rPr lang="de-DE" sz="1200" dirty="0">
+                <a:solidFill>
+                  <a:srgbClr val="003366"/>
+                </a:solidFill>
+                <a:latin typeface="Arial"/>
+                <a:cs typeface="Times New Roman"/>
+              </a:rPr>
+              <a:t>Client </a:t>
+            </a:r>
+            <a:r>
+              <a:rPr lang="de-DE" sz="1200" err="1">
+                <a:solidFill>
+                  <a:srgbClr val="003366"/>
+                </a:solidFill>
+                <a:latin typeface="Arial"/>
+                <a:cs typeface="Times New Roman"/>
+              </a:rPr>
+              <a:t>response</a:t>
+            </a:r>
+            <a:r>
+              <a:rPr lang="de-DE" sz="1200" dirty="0">
+                <a:solidFill>
+                  <a:srgbClr val="003366"/>
+                </a:solidFill>
+                <a:latin typeface="Arial"/>
+                <a:cs typeface="Times New Roman"/>
+              </a:rPr>
+              <a:t> &amp; </a:t>
+            </a:r>
+            <a:r>
+              <a:rPr lang="de-DE" sz="1200" err="1">
+                <a:solidFill>
+                  <a:srgbClr val="003366"/>
+                </a:solidFill>
+                <a:latin typeface="Arial"/>
+                <a:cs typeface="Times New Roman"/>
+              </a:rPr>
+              <a:t>challenge</a:t>
+            </a:r>
+            <a:r>
+              <a:rPr lang="de-DE" sz="1200" dirty="0">
+                <a:solidFill>
+                  <a:srgbClr val="003366"/>
+                </a:solidFill>
+                <a:latin typeface="Arial"/>
+                <a:cs typeface="Times New Roman"/>
+              </a:rPr>
+              <a:t>:</a:t>
+            </a:r>
+          </a:p>
+          <a:p>
+            <a:r>
+              <a:rPr lang="de-DE" sz="1200" dirty="0">
+                <a:solidFill>
+                  <a:srgbClr val="003366"/>
+                </a:solidFill>
+                <a:latin typeface="Arial"/>
+                <a:cs typeface="Times New Roman"/>
+              </a:rPr>
+              <a:t>                  E(M1p)   &amp;</a:t>
+            </a:r>
+            <a:endParaRPr lang="de-DE" sz="1200">
+              <a:solidFill>
+                <a:srgbClr val="003366"/>
+              </a:solidFill>
+              <a:latin typeface="Arial"/>
+              <a:cs typeface="Arial" charset="0"/>
+            </a:endParaRPr>
+          </a:p>
+          <a:p>
+            <a:r>
+              <a:rPr lang="de-DE" sz="1200" dirty="0">
+                <a:solidFill>
+                  <a:srgbClr val="003366"/>
+                </a:solidFill>
+                <a:latin typeface="Arial"/>
+                <a:cs typeface="Times New Roman"/>
+              </a:rPr>
+              <a:t>                  M2p  =   </a:t>
+            </a:r>
+            <a:r>
+              <a:rPr lang="de-DE" sz="1200" dirty="0">
+                <a:solidFill>
+                  <a:srgbClr val="003366"/>
+                </a:solidFill>
+                <a:latin typeface="Arial"/>
+                <a:cs typeface="Arial"/>
+              </a:rPr>
+              <a:t>AES{</a:t>
+            </a:r>
+            <a:r>
+              <a:rPr lang="de-DE" sz="1200" err="1">
+                <a:solidFill>
+                  <a:srgbClr val="003366"/>
+                </a:solidFill>
+                <a:latin typeface="Arial"/>
+                <a:cs typeface="Arial"/>
+              </a:rPr>
+              <a:t>Ks</a:t>
+            </a:r>
+            <a:r>
+              <a:rPr lang="de-DE" sz="1200" dirty="0">
+                <a:solidFill>
+                  <a:srgbClr val="003366"/>
+                </a:solidFill>
+                <a:latin typeface="Arial"/>
+                <a:cs typeface="Arial"/>
+              </a:rPr>
+              <a:t>, (</a:t>
+            </a:r>
+            <a:r>
+              <a:rPr lang="de-DE" sz="1200" err="1">
+                <a:solidFill>
+                  <a:srgbClr val="003366"/>
+                </a:solidFill>
+                <a:latin typeface="Arial"/>
+                <a:cs typeface="Arial"/>
+              </a:rPr>
+              <a:t>nonceServer</a:t>
+            </a:r>
+            <a:r>
+              <a:rPr lang="de-DE" sz="1200" dirty="0">
+                <a:solidFill>
+                  <a:srgbClr val="003366"/>
+                </a:solidFill>
+                <a:latin typeface="Arial"/>
+                <a:cs typeface="Arial"/>
+              </a:rPr>
+              <a:t> XOR Yi  | </a:t>
+            </a:r>
+            <a:r>
+              <a:rPr lang="de-DE" sz="1200" err="1">
+                <a:solidFill>
+                  <a:srgbClr val="003366"/>
+                </a:solidFill>
+                <a:latin typeface="Arial"/>
+                <a:cs typeface="Arial"/>
+              </a:rPr>
+              <a:t>nonceClient</a:t>
+            </a:r>
+            <a:r>
+              <a:rPr lang="de-DE" sz="1200" dirty="0">
+                <a:solidFill>
+                  <a:srgbClr val="003366"/>
+                </a:solidFill>
+                <a:latin typeface="Arial"/>
+                <a:cs typeface="Arial"/>
+              </a:rPr>
+              <a:t>)}</a:t>
+            </a:r>
+            <a:endParaRPr lang="de-DE" sz="1200">
+              <a:solidFill>
+                <a:srgbClr val="003366"/>
+              </a:solidFill>
+              <a:cs typeface="Arial" charset="0"/>
+            </a:endParaRPr>
+          </a:p>
+          <a:p>
+            <a:pPr>
+              <a:buFont typeface="Arial"/>
+              <a:buChar char="•"/>
+            </a:pPr>
+            <a:endParaRPr lang="de-DE" sz="1200" dirty="0">
+              <a:solidFill>
+                <a:srgbClr val="003366"/>
+              </a:solidFill>
+              <a:latin typeface="Arial"/>
+              <a:cs typeface="Times New Roman"/>
+            </a:endParaRPr>
+          </a:p>
+          <a:p>
+            <a:endParaRPr lang="en-US" sz="1200" dirty="0">
+              <a:solidFill>
+                <a:srgbClr val="003366"/>
+              </a:solidFill>
+              <a:cs typeface="Arial" charset="0"/>
+            </a:endParaRPr>
+          </a:p>
+        </p:txBody>
+      </p:sp>
+      <p:sp>
+        <p:nvSpPr>
+          <p:cNvPr id="8" name="Textfeld 7">
+            <a:extLst>
+              <a:ext uri="{FF2B5EF4-FFF2-40B4-BE49-F238E27FC236}">
+                <a16:creationId xmlns:a16="http://schemas.microsoft.com/office/drawing/2014/main" id="{DA90F422-0C04-285B-5A1B-63DC9583D372}"/>
+              </a:ext>
+            </a:extLst>
+          </p:cNvPr>
+          <p:cNvSpPr txBox="1"/>
+          <p:nvPr/>
+        </p:nvSpPr>
+        <p:spPr>
+          <a:xfrm>
+            <a:off x="458931" y="1662545"/>
+            <a:ext cx="3463635" cy="461665"/>
+          </a:xfrm>
+          <a:prstGeom prst="rect">
+            <a:avLst/>
+          </a:prstGeom>
+          <a:noFill/>
+        </p:spPr>
+        <p:txBody>
+          <a:bodyPr rot="0" spcFirstLastPara="0" vertOverflow="overflow" horzOverflow="overflow" vert="horz" wrap="square" lIns="91440" tIns="45720" rIns="91440" bIns="45720" numCol="1" spcCol="0" rtlCol="0" fromWordArt="0" anchor="t" anchorCtr="0" forceAA="0" compatLnSpc="1">
+            <a:prstTxWarp prst="textNoShape">
+              <a:avLst/>
+            </a:prstTxWarp>
+            <a:spAutoFit/>
+          </a:bodyPr>
+          <a:lstStyle/>
+          <a:p>
+            <a:pPr marL="285750" indent="-285750">
+              <a:buFont typeface="Arial"/>
+              <a:buChar char="•"/>
+            </a:pPr>
+            <a:r>
+              <a:rPr lang="de-DE" sz="1200" dirty="0">
+                <a:solidFill>
+                  <a:srgbClr val="003366"/>
+                </a:solidFill>
+                <a:latin typeface="Arial"/>
+                <a:cs typeface="Times New Roman"/>
+              </a:rPr>
+              <a:t>Session </a:t>
+            </a:r>
+            <a:r>
+              <a:rPr lang="de-DE" sz="1200" dirty="0" err="1">
+                <a:solidFill>
+                  <a:srgbClr val="003366"/>
+                </a:solidFill>
+                <a:latin typeface="Arial"/>
+                <a:cs typeface="Times New Roman"/>
+              </a:rPr>
+              <a:t>initiation</a:t>
+            </a:r>
+            <a:r>
+              <a:rPr lang="de-DE" sz="1200" dirty="0">
+                <a:solidFill>
+                  <a:srgbClr val="003366"/>
+                </a:solidFill>
+                <a:latin typeface="Arial"/>
+                <a:cs typeface="Times New Roman"/>
+              </a:rPr>
+              <a:t>: </a:t>
+            </a:r>
+            <a:endParaRPr lang="de-DE" sz="1200">
+              <a:solidFill>
+                <a:srgbClr val="003366"/>
+              </a:solidFill>
+              <a:latin typeface="Arial"/>
+              <a:cs typeface="Arial"/>
+            </a:endParaRPr>
+          </a:p>
+          <a:p>
+            <a:r>
+              <a:rPr lang="de-DE" sz="1200" dirty="0">
+                <a:solidFill>
+                  <a:srgbClr val="003366"/>
+                </a:solidFill>
+                <a:latin typeface="Arial"/>
+                <a:cs typeface="Times New Roman"/>
+              </a:rPr>
+              <a:t>                 M0p = Gerät-ID</a:t>
+            </a:r>
+            <a:endParaRPr lang="de-DE" sz="1200">
+              <a:solidFill>
+                <a:srgbClr val="003366"/>
+              </a:solidFill>
+              <a:latin typeface="Arial"/>
+              <a:cs typeface="Arial"/>
+            </a:endParaRPr>
+          </a:p>
+        </p:txBody>
+      </p:sp>
+      <p:sp>
+        <p:nvSpPr>
+          <p:cNvPr id="9" name="Textfeld 8">
+            <a:extLst>
+              <a:ext uri="{FF2B5EF4-FFF2-40B4-BE49-F238E27FC236}">
+                <a16:creationId xmlns:a16="http://schemas.microsoft.com/office/drawing/2014/main" id="{0BB29825-9334-97C1-FA50-C37B599EB641}"/>
+              </a:ext>
+            </a:extLst>
+          </p:cNvPr>
+          <p:cNvSpPr txBox="1"/>
+          <p:nvPr/>
+        </p:nvSpPr>
+        <p:spPr>
+          <a:xfrm>
+            <a:off x="1705840" y="3420340"/>
+            <a:ext cx="2743199" cy="369332"/>
+          </a:xfrm>
+          <a:prstGeom prst="rect">
+            <a:avLst/>
+          </a:prstGeom>
+          <a:noFill/>
+        </p:spPr>
+        <p:txBody>
+          <a:bodyPr rot="0" spcFirstLastPara="0" vertOverflow="overflow" horzOverflow="overflow" vert="horz" wrap="square" lIns="91440" tIns="45720" rIns="91440" bIns="45720" numCol="1" spcCol="0" rtlCol="0" fromWordArt="0" anchor="t" anchorCtr="0" forceAA="0" compatLnSpc="1">
+            <a:prstTxWarp prst="textNoShape">
+              <a:avLst/>
+            </a:prstTxWarp>
+            <a:spAutoFit/>
+          </a:bodyPr>
+          <a:lstStyle/>
+          <a:p>
+            <a:endParaRPr lang="de-DE" dirty="0">
+              <a:cs typeface="Arial"/>
+            </a:endParaRPr>
+          </a:p>
+        </p:txBody>
+      </p:sp>
+      <p:sp>
+        <p:nvSpPr>
+          <p:cNvPr id="10" name="Textfeld 9">
+            <a:extLst>
+              <a:ext uri="{FF2B5EF4-FFF2-40B4-BE49-F238E27FC236}">
+                <a16:creationId xmlns:a16="http://schemas.microsoft.com/office/drawing/2014/main" id="{5D34FA96-8A75-86B8-25D6-D4A9D0117189}"/>
+              </a:ext>
+            </a:extLst>
+          </p:cNvPr>
+          <p:cNvSpPr txBox="1"/>
+          <p:nvPr/>
+        </p:nvSpPr>
+        <p:spPr>
+          <a:xfrm>
+            <a:off x="458931" y="3827318"/>
+            <a:ext cx="4623953" cy="461665"/>
+          </a:xfrm>
+          <a:prstGeom prst="rect">
+            <a:avLst/>
+          </a:prstGeom>
+          <a:noFill/>
+        </p:spPr>
+        <p:txBody>
+          <a:bodyPr rot="0" spcFirstLastPara="0" vertOverflow="overflow" horzOverflow="overflow" vert="horz" wrap="square" lIns="91440" tIns="45720" rIns="91440" bIns="45720" numCol="1" spcCol="0" rtlCol="0" fromWordArt="0" anchor="t" anchorCtr="0" forceAA="0" compatLnSpc="1">
+            <a:prstTxWarp prst="textNoShape">
+              <a:avLst/>
+            </a:prstTxWarp>
+            <a:spAutoFit/>
+          </a:bodyPr>
+          <a:lstStyle/>
+          <a:p>
+            <a:pPr marL="285750" indent="-285750">
+              <a:buFont typeface="Arial"/>
+              <a:buChar char="•"/>
+            </a:pPr>
+            <a:r>
+              <a:rPr lang="de-DE" sz="1200" dirty="0">
+                <a:solidFill>
+                  <a:srgbClr val="003366"/>
+                </a:solidFill>
+                <a:latin typeface="Times New Roman"/>
+                <a:cs typeface="Times New Roman"/>
+              </a:rPr>
+              <a:t>Server </a:t>
+            </a:r>
+            <a:r>
+              <a:rPr lang="de-DE" sz="1200" err="1">
+                <a:solidFill>
+                  <a:srgbClr val="003366"/>
+                </a:solidFill>
+                <a:latin typeface="Times New Roman"/>
+                <a:cs typeface="Times New Roman"/>
+              </a:rPr>
+              <a:t>response</a:t>
+            </a:r>
+            <a:r>
+              <a:rPr lang="de-DE" sz="1200" dirty="0">
+                <a:solidFill>
+                  <a:srgbClr val="003366"/>
+                </a:solidFill>
+                <a:latin typeface="Times New Roman"/>
+                <a:cs typeface="Times New Roman"/>
+              </a:rPr>
+              <a:t>:</a:t>
+            </a:r>
+          </a:p>
+          <a:p>
+            <a:r>
+              <a:rPr lang="de-DE" sz="1200" dirty="0">
+                <a:solidFill>
+                  <a:srgbClr val="003366"/>
+                </a:solidFill>
+                <a:latin typeface="Times New Roman"/>
+                <a:cs typeface="Times New Roman"/>
+              </a:rPr>
+              <a:t>                 M3p = AES{Yi, (</a:t>
+            </a:r>
+            <a:r>
+              <a:rPr lang="de-DE" sz="1200" err="1">
+                <a:solidFill>
+                  <a:srgbClr val="003366"/>
+                </a:solidFill>
+                <a:latin typeface="Arial"/>
+                <a:cs typeface="Arial"/>
+              </a:rPr>
+              <a:t>nonceClient</a:t>
+            </a:r>
+            <a:r>
+              <a:rPr lang="de-DE" sz="1200" dirty="0">
+                <a:solidFill>
+                  <a:srgbClr val="003366"/>
+                </a:solidFill>
+                <a:latin typeface="Arial"/>
+                <a:cs typeface="Arial"/>
+              </a:rPr>
+              <a:t> | </a:t>
+            </a:r>
+            <a:r>
+              <a:rPr lang="de-DE" sz="1200" err="1">
+                <a:solidFill>
+                  <a:srgbClr val="003366"/>
+                </a:solidFill>
+                <a:latin typeface="Arial"/>
+                <a:cs typeface="Arial"/>
+              </a:rPr>
+              <a:t>Ks</a:t>
+            </a:r>
+            <a:r>
+              <a:rPr lang="de-DE" sz="1200" dirty="0">
+                <a:solidFill>
+                  <a:srgbClr val="003366"/>
+                </a:solidFill>
+                <a:latin typeface="Times New Roman"/>
+                <a:cs typeface="Times New Roman"/>
+              </a:rPr>
+              <a:t>)}</a:t>
+            </a:r>
+          </a:p>
+        </p:txBody>
+      </p:sp>
+      <p:sp>
+        <p:nvSpPr>
+          <p:cNvPr id="13" name="Textfeld 12">
+            <a:extLst>
+              <a:ext uri="{FF2B5EF4-FFF2-40B4-BE49-F238E27FC236}">
+                <a16:creationId xmlns:a16="http://schemas.microsoft.com/office/drawing/2014/main" id="{80577972-4ED2-EE50-4EBF-20B6F06E01C5}"/>
+              </a:ext>
+            </a:extLst>
+          </p:cNvPr>
+          <p:cNvSpPr txBox="1"/>
+          <p:nvPr/>
+        </p:nvSpPr>
+        <p:spPr>
+          <a:xfrm>
+            <a:off x="987137" y="4745181"/>
+            <a:ext cx="6996544" cy="307777"/>
+          </a:xfrm>
+          <a:prstGeom prst="rect">
+            <a:avLst/>
+          </a:prstGeom>
+          <a:noFill/>
+        </p:spPr>
+        <p:txBody>
+          <a:bodyPr rot="0" spcFirstLastPara="0" vertOverflow="overflow" horzOverflow="overflow" vert="horz" wrap="square" lIns="91440" tIns="45720" rIns="91440" bIns="45720" numCol="1" spcCol="0" rtlCol="0" fromWordArt="0" anchor="t" anchorCtr="0" forceAA="0" compatLnSpc="1">
+            <a:prstTxWarp prst="textNoShape">
+              <a:avLst/>
+            </a:prstTxWarp>
+            <a:spAutoFit/>
+          </a:bodyPr>
+          <a:lstStyle/>
+          <a:p>
+            <a:r>
+              <a:rPr lang="de-DE" sz="1400" dirty="0">
+                <a:solidFill>
+                  <a:srgbClr val="8C0000"/>
+                </a:solidFill>
+                <a:latin typeface="Arial"/>
+                <a:cs typeface="Arial"/>
+              </a:rPr>
+              <a:t>Jetzt erfolgt die Kommunikation unter Verwendung </a:t>
+            </a:r>
+            <a:r>
+              <a:rPr lang="de-DE" sz="1400" err="1">
+                <a:solidFill>
+                  <a:srgbClr val="8C0000"/>
+                </a:solidFill>
+                <a:latin typeface="Arial"/>
+                <a:cs typeface="Arial"/>
+              </a:rPr>
+              <a:t>Ks</a:t>
+            </a:r>
+            <a:r>
+              <a:rPr lang="de-DE" sz="1400" dirty="0">
+                <a:solidFill>
+                  <a:srgbClr val="8C0000"/>
+                </a:solidFill>
+                <a:latin typeface="Arial"/>
+                <a:cs typeface="Arial"/>
+              </a:rPr>
+              <a:t> zur Verschlüsselung</a:t>
+            </a:r>
+            <a:endParaRPr lang="de-DE" sz="1400">
+              <a:solidFill>
+                <a:srgbClr val="8C0000"/>
+              </a:solidFill>
+              <a:cs typeface="Arial" charset="0"/>
+            </a:endParaRPr>
+          </a:p>
+        </p:txBody>
+      </p:sp>
     </p:spTree>
     <p:extLst>
       <p:ext uri="{BB962C8B-B14F-4D97-AF65-F5344CB8AC3E}">
@@ -31884,6 +32483,437 @@
     <a:masterClrMapping/>
   </p:clrMapOvr>
   <p:transition spd="slow"/>
+  <p:timing>
+    <p:tnLst>
+      <p:par>
+        <p:cTn id="1" dur="indefinite" restart="never" nodeType="tmRoot">
+          <p:childTnLst>
+            <p:seq concurrent="1" nextAc="seek">
+              <p:cTn id="2" dur="indefinite" nodeType="mainSeq">
+                <p:childTnLst>
+                  <p:par>
+                    <p:cTn id="3" fill="hold">
+                      <p:stCondLst>
+                        <p:cond delay="indefinite"/>
+                      </p:stCondLst>
+                      <p:childTnLst>
+                        <p:par>
+                          <p:cTn id="4" fill="hold">
+                            <p:stCondLst>
+                              <p:cond delay="0"/>
+                            </p:stCondLst>
+                            <p:childTnLst>
+                              <p:par>
+                                <p:cTn id="5" presetID="2" presetClass="entr" presetSubtype="4" fill="hold" nodeType="clickEffect">
+                                  <p:stCondLst>
+                                    <p:cond delay="0"/>
+                                  </p:stCondLst>
+                                  <p:childTnLst>
+                                    <p:set>
+                                      <p:cBhvr>
+                                        <p:cTn id="6" dur="1" fill="hold">
+                                          <p:stCondLst>
+                                            <p:cond delay="0"/>
+                                          </p:stCondLst>
+                                        </p:cTn>
+                                        <p:tgtEl>
+                                          <p:spTgt spid="6"/>
+                                        </p:tgtEl>
+                                        <p:attrNameLst>
+                                          <p:attrName>style.visibility</p:attrName>
+                                        </p:attrNameLst>
+                                      </p:cBhvr>
+                                      <p:to>
+                                        <p:strVal val="visible"/>
+                                      </p:to>
+                                    </p:set>
+                                    <p:anim calcmode="lin" valueType="num">
+                                      <p:cBhvr additive="base">
+                                        <p:cTn id="7" dur="500" fill="hold"/>
+                                        <p:tgtEl>
+                                          <p:spTgt spid="6"/>
+                                        </p:tgtEl>
+                                        <p:attrNameLst>
+                                          <p:attrName>ppt_x</p:attrName>
+                                        </p:attrNameLst>
+                                      </p:cBhvr>
+                                      <p:tavLst>
+                                        <p:tav tm="0">
+                                          <p:val>
+                                            <p:strVal val="#ppt_x"/>
+                                          </p:val>
+                                        </p:tav>
+                                        <p:tav tm="100000">
+                                          <p:val>
+                                            <p:strVal val="#ppt_x"/>
+                                          </p:val>
+                                        </p:tav>
+                                      </p:tavLst>
+                                    </p:anim>
+                                    <p:anim calcmode="lin" valueType="num">
+                                      <p:cBhvr additive="base">
+                                        <p:cTn id="8" dur="500" fill="hold"/>
+                                        <p:tgtEl>
+                                          <p:spTgt spid="6"/>
+                                        </p:tgtEl>
+                                        <p:attrNameLst>
+                                          <p:attrName>ppt_y</p:attrName>
+                                        </p:attrNameLst>
+                                      </p:cBhvr>
+                                      <p:tavLst>
+                                        <p:tav tm="0">
+                                          <p:val>
+                                            <p:strVal val="1+#ppt_h/2"/>
+                                          </p:val>
+                                        </p:tav>
+                                        <p:tav tm="100000">
+                                          <p:val>
+                                            <p:strVal val="#ppt_y"/>
+                                          </p:val>
+                                        </p:tav>
+                                      </p:tavLst>
+                                    </p:anim>
+                                  </p:childTnLst>
+                                </p:cTn>
+                              </p:par>
+                            </p:childTnLst>
+                          </p:cTn>
+                        </p:par>
+                      </p:childTnLst>
+                    </p:cTn>
+                  </p:par>
+                  <p:par>
+                    <p:cTn id="9" fill="hold">
+                      <p:stCondLst>
+                        <p:cond delay="indefinite"/>
+                      </p:stCondLst>
+                      <p:childTnLst>
+                        <p:par>
+                          <p:cTn id="10" fill="hold">
+                            <p:stCondLst>
+                              <p:cond delay="0"/>
+                            </p:stCondLst>
+                            <p:childTnLst>
+                              <p:par>
+                                <p:cTn id="11" presetID="10" presetClass="entr" presetSubtype="0" fill="hold" grpId="0" nodeType="clickEffect">
+                                  <p:stCondLst>
+                                    <p:cond delay="0"/>
+                                  </p:stCondLst>
+                                  <p:childTnLst>
+                                    <p:set>
+                                      <p:cBhvr>
+                                        <p:cTn id="12" dur="1" fill="hold">
+                                          <p:stCondLst>
+                                            <p:cond delay="0"/>
+                                          </p:stCondLst>
+                                        </p:cTn>
+                                        <p:tgtEl>
+                                          <p:spTgt spid="8"/>
+                                        </p:tgtEl>
+                                        <p:attrNameLst>
+                                          <p:attrName>style.visibility</p:attrName>
+                                        </p:attrNameLst>
+                                      </p:cBhvr>
+                                      <p:to>
+                                        <p:strVal val="visible"/>
+                                      </p:to>
+                                    </p:set>
+                                    <p:animEffect transition="in" filter="fade">
+                                      <p:cBhvr>
+                                        <p:cTn id="13" dur="500"/>
+                                        <p:tgtEl>
+                                          <p:spTgt spid="8"/>
+                                        </p:tgtEl>
+                                      </p:cBhvr>
+                                    </p:animEffect>
+                                  </p:childTnLst>
+                                </p:cTn>
+                              </p:par>
+                            </p:childTnLst>
+                          </p:cTn>
+                        </p:par>
+                      </p:childTnLst>
+                    </p:cTn>
+                  </p:par>
+                  <p:par>
+                    <p:cTn id="14" fill="hold">
+                      <p:stCondLst>
+                        <p:cond delay="indefinite"/>
+                      </p:stCondLst>
+                      <p:childTnLst>
+                        <p:par>
+                          <p:cTn id="15" fill="hold">
+                            <p:stCondLst>
+                              <p:cond delay="0"/>
+                            </p:stCondLst>
+                            <p:childTnLst>
+                              <p:par>
+                                <p:cTn id="16" presetID="10" presetClass="entr" presetSubtype="0" fill="hold" grpId="0" nodeType="clickEffect">
+                                  <p:stCondLst>
+                                    <p:cond delay="0"/>
+                                  </p:stCondLst>
+                                  <p:childTnLst>
+                                    <p:set>
+                                      <p:cBhvr>
+                                        <p:cTn id="17" dur="1" fill="hold">
+                                          <p:stCondLst>
+                                            <p:cond delay="0"/>
+                                          </p:stCondLst>
+                                        </p:cTn>
+                                        <p:tgtEl>
+                                          <p:spTgt spid="12"/>
+                                        </p:tgtEl>
+                                        <p:attrNameLst>
+                                          <p:attrName>style.visibility</p:attrName>
+                                        </p:attrNameLst>
+                                      </p:cBhvr>
+                                      <p:to>
+                                        <p:strVal val="visible"/>
+                                      </p:to>
+                                    </p:set>
+                                    <p:animEffect transition="in" filter="fade">
+                                      <p:cBhvr>
+                                        <p:cTn id="18" dur="500"/>
+                                        <p:tgtEl>
+                                          <p:spTgt spid="12"/>
+                                        </p:tgtEl>
+                                      </p:cBhvr>
+                                    </p:animEffect>
+                                  </p:childTnLst>
+                                </p:cTn>
+                              </p:par>
+                            </p:childTnLst>
+                          </p:cTn>
+                        </p:par>
+                      </p:childTnLst>
+                    </p:cTn>
+                  </p:par>
+                  <p:par>
+                    <p:cTn id="19" fill="hold">
+                      <p:stCondLst>
+                        <p:cond delay="indefinite"/>
+                      </p:stCondLst>
+                      <p:childTnLst>
+                        <p:par>
+                          <p:cTn id="20" fill="hold">
+                            <p:stCondLst>
+                              <p:cond delay="0"/>
+                            </p:stCondLst>
+                            <p:childTnLst>
+                              <p:par>
+                                <p:cTn id="21" presetID="10" presetClass="entr" presetSubtype="0" fill="hold" grpId="0" nodeType="clickEffect">
+                                  <p:stCondLst>
+                                    <p:cond delay="0"/>
+                                  </p:stCondLst>
+                                  <p:childTnLst>
+                                    <p:set>
+                                      <p:cBhvr>
+                                        <p:cTn id="22" dur="1" fill="hold">
+                                          <p:stCondLst>
+                                            <p:cond delay="0"/>
+                                          </p:stCondLst>
+                                        </p:cTn>
+                                        <p:tgtEl>
+                                          <p:spTgt spid="7"/>
+                                        </p:tgtEl>
+                                        <p:attrNameLst>
+                                          <p:attrName>style.visibility</p:attrName>
+                                        </p:attrNameLst>
+                                      </p:cBhvr>
+                                      <p:to>
+                                        <p:strVal val="visible"/>
+                                      </p:to>
+                                    </p:set>
+                                    <p:animEffect transition="in" filter="fade">
+                                      <p:cBhvr>
+                                        <p:cTn id="23" dur="500"/>
+                                        <p:tgtEl>
+                                          <p:spTgt spid="7"/>
+                                        </p:tgtEl>
+                                      </p:cBhvr>
+                                    </p:animEffect>
+                                  </p:childTnLst>
+                                </p:cTn>
+                              </p:par>
+                            </p:childTnLst>
+                          </p:cTn>
+                        </p:par>
+                      </p:childTnLst>
+                    </p:cTn>
+                  </p:par>
+                  <p:par>
+                    <p:cTn id="24" fill="hold">
+                      <p:stCondLst>
+                        <p:cond delay="indefinite"/>
+                      </p:stCondLst>
+                      <p:childTnLst>
+                        <p:par>
+                          <p:cTn id="25" fill="hold">
+                            <p:stCondLst>
+                              <p:cond delay="0"/>
+                            </p:stCondLst>
+                            <p:childTnLst>
+                              <p:par>
+                                <p:cTn id="26" presetID="10" presetClass="entr" presetSubtype="0" fill="hold" grpId="0" nodeType="clickEffect">
+                                  <p:stCondLst>
+                                    <p:cond delay="0"/>
+                                  </p:stCondLst>
+                                  <p:childTnLst>
+                                    <p:set>
+                                      <p:cBhvr>
+                                        <p:cTn id="27" dur="1" fill="hold">
+                                          <p:stCondLst>
+                                            <p:cond delay="0"/>
+                                          </p:stCondLst>
+                                        </p:cTn>
+                                        <p:tgtEl>
+                                          <p:spTgt spid="10"/>
+                                        </p:tgtEl>
+                                        <p:attrNameLst>
+                                          <p:attrName>style.visibility</p:attrName>
+                                        </p:attrNameLst>
+                                      </p:cBhvr>
+                                      <p:to>
+                                        <p:strVal val="visible"/>
+                                      </p:to>
+                                    </p:set>
+                                    <p:animEffect transition="in" filter="fade">
+                                      <p:cBhvr>
+                                        <p:cTn id="28" dur="500"/>
+                                        <p:tgtEl>
+                                          <p:spTgt spid="10"/>
+                                        </p:tgtEl>
+                                      </p:cBhvr>
+                                    </p:animEffect>
+                                  </p:childTnLst>
+                                </p:cTn>
+                              </p:par>
+                            </p:childTnLst>
+                          </p:cTn>
+                        </p:par>
+                      </p:childTnLst>
+                    </p:cTn>
+                  </p:par>
+                  <p:par>
+                    <p:cTn id="29" fill="hold">
+                      <p:stCondLst>
+                        <p:cond delay="indefinite"/>
+                      </p:stCondLst>
+                      <p:childTnLst>
+                        <p:par>
+                          <p:cTn id="30" fill="hold">
+                            <p:stCondLst>
+                              <p:cond delay="0"/>
+                            </p:stCondLst>
+                            <p:childTnLst>
+                              <p:par>
+                                <p:cTn id="31" presetID="2" presetClass="entr" presetSubtype="4" fill="hold" grpId="0" nodeType="clickEffect">
+                                  <p:stCondLst>
+                                    <p:cond delay="0"/>
+                                  </p:stCondLst>
+                                  <p:childTnLst>
+                                    <p:set>
+                                      <p:cBhvr>
+                                        <p:cTn id="32" dur="1" fill="hold">
+                                          <p:stCondLst>
+                                            <p:cond delay="0"/>
+                                          </p:stCondLst>
+                                        </p:cTn>
+                                        <p:tgtEl>
+                                          <p:spTgt spid="13"/>
+                                        </p:tgtEl>
+                                        <p:attrNameLst>
+                                          <p:attrName>style.visibility</p:attrName>
+                                        </p:attrNameLst>
+                                      </p:cBhvr>
+                                      <p:to>
+                                        <p:strVal val="visible"/>
+                                      </p:to>
+                                    </p:set>
+                                    <p:anim calcmode="lin" valueType="num">
+                                      <p:cBhvr additive="base">
+                                        <p:cTn id="33" dur="500" fill="hold"/>
+                                        <p:tgtEl>
+                                          <p:spTgt spid="13"/>
+                                        </p:tgtEl>
+                                        <p:attrNameLst>
+                                          <p:attrName>ppt_x</p:attrName>
+                                        </p:attrNameLst>
+                                      </p:cBhvr>
+                                      <p:tavLst>
+                                        <p:tav tm="0">
+                                          <p:val>
+                                            <p:strVal val="#ppt_x"/>
+                                          </p:val>
+                                        </p:tav>
+                                        <p:tav tm="100000">
+                                          <p:val>
+                                            <p:strVal val="#ppt_x"/>
+                                          </p:val>
+                                        </p:tav>
+                                      </p:tavLst>
+                                    </p:anim>
+                                    <p:anim calcmode="lin" valueType="num">
+                                      <p:cBhvr additive="base">
+                                        <p:cTn id="34" dur="500" fill="hold"/>
+                                        <p:tgtEl>
+                                          <p:spTgt spid="13"/>
+                                        </p:tgtEl>
+                                        <p:attrNameLst>
+                                          <p:attrName>ppt_y</p:attrName>
+                                        </p:attrNameLst>
+                                      </p:cBhvr>
+                                      <p:tavLst>
+                                        <p:tav tm="0">
+                                          <p:val>
+                                            <p:strVal val="1+#ppt_h/2"/>
+                                          </p:val>
+                                        </p:tav>
+                                        <p:tav tm="100000">
+                                          <p:val>
+                                            <p:strVal val="#ppt_y"/>
+                                          </p:val>
+                                        </p:tav>
+                                      </p:tavLst>
+                                    </p:anim>
+                                  </p:childTnLst>
+                                </p:cTn>
+                              </p:par>
+                            </p:childTnLst>
+                          </p:cTn>
+                        </p:par>
+                      </p:childTnLst>
+                    </p:cTn>
+                  </p:par>
+                </p:childTnLst>
+              </p:cTn>
+              <p:prevCondLst>
+                <p:cond evt="onPrev" delay="0">
+                  <p:tgtEl>
+                    <p:sldTgt/>
+                  </p:tgtEl>
+                </p:cond>
+              </p:prevCondLst>
+              <p:nextCondLst>
+                <p:cond evt="onNext" delay="0">
+                  <p:tgtEl>
+                    <p:sldTgt/>
+                  </p:tgtEl>
+                </p:cond>
+              </p:nextCondLst>
+            </p:seq>
+          </p:childTnLst>
+        </p:cTn>
+      </p:par>
+    </p:tnLst>
+    <p:bldLst>
+      <p:bldP spid="12" grpId="0"/>
+      <p:bldP spid="7" grpId="0"/>
+      <p:bldP spid="8" grpId="0"/>
+      <p:bldP spid="10" grpId="0"/>
+      <p:bldP spid="13" grpId="0"/>
+    </p:bldLst>
+  </p:timing>
 </p:sld>
 </file>
 
@@ -32318,6 +33348,536 @@
           </a:prstGeom>
         </p:spPr>
       </p:pic>
+      <p:sp>
+        <p:nvSpPr>
+          <p:cNvPr id="6" name="Textfeld 5">
+            <a:extLst>
+              <a:ext uri="{FF2B5EF4-FFF2-40B4-BE49-F238E27FC236}">
+                <a16:creationId xmlns:a16="http://schemas.microsoft.com/office/drawing/2014/main" id="{1209A6D6-2AF2-315E-C563-8671CD515A6B}"/>
+              </a:ext>
+            </a:extLst>
+          </p:cNvPr>
+          <p:cNvSpPr txBox="1"/>
+          <p:nvPr/>
+        </p:nvSpPr>
+        <p:spPr>
+          <a:xfrm>
+            <a:off x="658091" y="1697182"/>
+            <a:ext cx="3524249" cy="307777"/>
+          </a:xfrm>
+          <a:prstGeom prst="rect">
+            <a:avLst/>
+          </a:prstGeom>
+          <a:noFill/>
+        </p:spPr>
+        <p:txBody>
+          <a:bodyPr rot="0" spcFirstLastPara="0" vertOverflow="overflow" horzOverflow="overflow" vert="horz" wrap="square" lIns="91440" tIns="45720" rIns="91440" bIns="45720" numCol="1" spcCol="0" rtlCol="0" fromWordArt="0" anchor="t" anchorCtr="0" forceAA="0" compatLnSpc="1">
+            <a:prstTxWarp prst="textNoShape">
+              <a:avLst/>
+            </a:prstTxWarp>
+            <a:spAutoFit/>
+          </a:bodyPr>
+          <a:lstStyle/>
+          <a:p>
+            <a:pPr marL="285750" indent="-285750">
+              <a:buFont typeface="Arial"/>
+              <a:buChar char="•"/>
+            </a:pPr>
+            <a:r>
+              <a:rPr lang="de-DE" sz="1400" dirty="0">
+                <a:solidFill>
+                  <a:srgbClr val="003366"/>
+                </a:solidFill>
+                <a:latin typeface="Arial"/>
+                <a:cs typeface="Arial"/>
+              </a:rPr>
+              <a:t>Nur zwei </a:t>
+            </a:r>
+            <a:r>
+              <a:rPr lang="de-DE" sz="1400" err="1">
+                <a:solidFill>
+                  <a:srgbClr val="003366"/>
+                </a:solidFill>
+                <a:latin typeface="Arial"/>
+                <a:cs typeface="Arial"/>
+              </a:rPr>
+              <a:t>Handshke</a:t>
+            </a:r>
+            <a:r>
+              <a:rPr lang="de-DE" sz="1400" dirty="0">
+                <a:solidFill>
+                  <a:srgbClr val="003366"/>
+                </a:solidFill>
+                <a:latin typeface="Arial"/>
+                <a:cs typeface="Arial"/>
+              </a:rPr>
+              <a:t>-Nachrichten</a:t>
+            </a:r>
+            <a:endParaRPr lang="de-DE" sz="1400">
+              <a:solidFill>
+                <a:srgbClr val="003366"/>
+              </a:solidFill>
+              <a:cs typeface="Arial"/>
+            </a:endParaRPr>
+          </a:p>
+        </p:txBody>
+      </p:sp>
+      <p:sp>
+        <p:nvSpPr>
+          <p:cNvPr id="8" name="Textfeld 7">
+            <a:extLst>
+              <a:ext uri="{FF2B5EF4-FFF2-40B4-BE49-F238E27FC236}">
+                <a16:creationId xmlns:a16="http://schemas.microsoft.com/office/drawing/2014/main" id="{F0A1F96A-55A3-A09C-B37C-54F03BB3598B}"/>
+              </a:ext>
+            </a:extLst>
+          </p:cNvPr>
+          <p:cNvSpPr txBox="1"/>
+          <p:nvPr/>
+        </p:nvSpPr>
+        <p:spPr>
+          <a:xfrm>
+            <a:off x="658091" y="2883477"/>
+            <a:ext cx="5661311" cy="1077218"/>
+          </a:xfrm>
+          <a:prstGeom prst="rect">
+            <a:avLst/>
+          </a:prstGeom>
+          <a:noFill/>
+        </p:spPr>
+        <p:txBody>
+          <a:bodyPr rot="0" spcFirstLastPara="0" vertOverflow="overflow" horzOverflow="overflow" vert="horz" wrap="square" lIns="91440" tIns="45720" rIns="91440" bIns="45720" numCol="1" spcCol="0" rtlCol="0" fromWordArt="0" anchor="t" anchorCtr="0" forceAA="0" compatLnSpc="1">
+            <a:prstTxWarp prst="textNoShape">
+              <a:avLst/>
+            </a:prstTxWarp>
+            <a:spAutoFit/>
+          </a:bodyPr>
+          <a:lstStyle/>
+          <a:p>
+            <a:pPr marL="342900" indent="-342900">
+              <a:buAutoNum type="arabicPeriod"/>
+            </a:pPr>
+            <a:r>
+              <a:rPr lang="de-DE" sz="1600" dirty="0">
+                <a:solidFill>
+                  <a:srgbClr val="003366"/>
+                </a:solidFill>
+                <a:latin typeface="Arial"/>
+                <a:cs typeface="Arial"/>
+              </a:rPr>
+              <a:t>Request von Client: </a:t>
+            </a:r>
+            <a:endParaRPr lang="de-DE" sz="1600" dirty="0">
+              <a:solidFill>
+                <a:srgbClr val="003366"/>
+              </a:solidFill>
+              <a:cs typeface="Arial" charset="0"/>
+            </a:endParaRPr>
+          </a:p>
+          <a:p>
+            <a:r>
+              <a:rPr lang="de-DE" sz="1600" dirty="0">
+                <a:solidFill>
+                  <a:srgbClr val="003366"/>
+                </a:solidFill>
+                <a:latin typeface="Arial"/>
+                <a:cs typeface="Arial"/>
+              </a:rPr>
+              <a:t>M1p = </a:t>
+            </a:r>
+            <a:r>
+              <a:rPr lang="de-DE" sz="1600" dirty="0" err="1">
+                <a:solidFill>
+                  <a:srgbClr val="003366"/>
+                </a:solidFill>
+                <a:latin typeface="Arial"/>
+                <a:cs typeface="Arial"/>
+              </a:rPr>
+              <a:t>IDi</a:t>
+            </a:r>
+            <a:r>
+              <a:rPr lang="de-DE" sz="1600" dirty="0">
+                <a:solidFill>
+                  <a:srgbClr val="003366"/>
+                </a:solidFill>
+                <a:latin typeface="Arial"/>
+                <a:cs typeface="Arial"/>
+              </a:rPr>
+              <a:t> || C1 </a:t>
+            </a:r>
+            <a:endParaRPr lang="de-DE" sz="1600" dirty="0">
+              <a:solidFill>
+                <a:srgbClr val="003366"/>
+              </a:solidFill>
+              <a:cs typeface="Arial" charset="0"/>
+            </a:endParaRPr>
+          </a:p>
+          <a:p>
+            <a:r>
+              <a:rPr lang="de-DE" sz="1600" dirty="0">
+                <a:solidFill>
+                  <a:srgbClr val="003366"/>
+                </a:solidFill>
+                <a:latin typeface="Arial"/>
+                <a:cs typeface="Arial"/>
+              </a:rPr>
+              <a:t>Wobei C1 = E (</a:t>
+            </a:r>
+            <a:r>
+              <a:rPr lang="de-DE" sz="1600" dirty="0" err="1">
+                <a:solidFill>
+                  <a:srgbClr val="003366"/>
+                </a:solidFill>
+                <a:latin typeface="Arial"/>
+                <a:cs typeface="Arial"/>
+              </a:rPr>
+              <a:t>Ki</a:t>
+            </a:r>
+            <a:r>
+              <a:rPr lang="de-DE" sz="1600" dirty="0">
+                <a:solidFill>
+                  <a:srgbClr val="003366"/>
+                </a:solidFill>
+                <a:latin typeface="Arial"/>
+                <a:cs typeface="Arial"/>
+              </a:rPr>
+              <a:t>, ((</a:t>
+            </a:r>
+            <a:r>
+              <a:rPr lang="de-DE" sz="1600" dirty="0" err="1">
+                <a:solidFill>
+                  <a:srgbClr val="003366"/>
+                </a:solidFill>
+                <a:latin typeface="Arial"/>
+                <a:cs typeface="Arial"/>
+              </a:rPr>
+              <a:t>Nc</a:t>
+            </a:r>
+            <a:r>
+              <a:rPr lang="de-DE" sz="1600" dirty="0">
+                <a:solidFill>
+                  <a:srgbClr val="003366"/>
+                </a:solidFill>
+                <a:latin typeface="Arial"/>
+                <a:cs typeface="Arial"/>
+              </a:rPr>
+              <a:t> XOR </a:t>
+            </a:r>
+            <a:r>
+              <a:rPr lang="de-DE" sz="1600" dirty="0" err="1">
+                <a:solidFill>
+                  <a:srgbClr val="003366"/>
+                </a:solidFill>
+                <a:latin typeface="Arial"/>
+                <a:cs typeface="Arial"/>
+              </a:rPr>
+              <a:t>IDi</a:t>
+            </a:r>
+            <a:r>
+              <a:rPr lang="de-DE" sz="1600" dirty="0">
+                <a:solidFill>
+                  <a:srgbClr val="003366"/>
+                </a:solidFill>
+                <a:latin typeface="Arial"/>
+                <a:cs typeface="Arial"/>
+              </a:rPr>
+              <a:t>) || (</a:t>
+            </a:r>
+            <a:r>
+              <a:rPr lang="de-DE" sz="1600" dirty="0" err="1">
+                <a:solidFill>
+                  <a:srgbClr val="003366"/>
+                </a:solidFill>
+                <a:latin typeface="Arial"/>
+                <a:cs typeface="Arial"/>
+              </a:rPr>
+              <a:t>Nc</a:t>
+            </a:r>
+            <a:r>
+              <a:rPr lang="de-DE" sz="1600" dirty="0">
+                <a:solidFill>
+                  <a:srgbClr val="003366"/>
+                </a:solidFill>
+                <a:latin typeface="Arial"/>
+                <a:cs typeface="Arial"/>
+              </a:rPr>
+              <a:t> XOR </a:t>
+            </a:r>
+            <a:r>
+              <a:rPr lang="de-DE" sz="1600" dirty="0" err="1">
+                <a:solidFill>
+                  <a:srgbClr val="003366"/>
+                </a:solidFill>
+                <a:latin typeface="Arial"/>
+                <a:cs typeface="Arial"/>
+              </a:rPr>
+              <a:t>KiL</a:t>
+            </a:r>
+            <a:r>
+              <a:rPr lang="de-DE" sz="1600" dirty="0">
+                <a:solidFill>
+                  <a:srgbClr val="003366"/>
+                </a:solidFill>
+                <a:latin typeface="Arial"/>
+                <a:cs typeface="Arial"/>
+              </a:rPr>
+              <a:t>))  </a:t>
+            </a:r>
+            <a:endParaRPr lang="de-DE" sz="1600">
+              <a:solidFill>
+                <a:srgbClr val="003366"/>
+              </a:solidFill>
+              <a:cs typeface="Arial" charset="0"/>
+            </a:endParaRPr>
+          </a:p>
+          <a:p>
+            <a:endParaRPr lang="de-DE" sz="1600" dirty="0">
+              <a:solidFill>
+                <a:srgbClr val="003366"/>
+              </a:solidFill>
+              <a:cs typeface="Arial"/>
+            </a:endParaRPr>
+          </a:p>
+        </p:txBody>
+      </p:sp>
+      <p:sp>
+        <p:nvSpPr>
+          <p:cNvPr id="9" name="Textfeld 8">
+            <a:extLst>
+              <a:ext uri="{FF2B5EF4-FFF2-40B4-BE49-F238E27FC236}">
+                <a16:creationId xmlns:a16="http://schemas.microsoft.com/office/drawing/2014/main" id="{1E73AF18-FAC9-7921-7811-C68CF7D25AA2}"/>
+              </a:ext>
+            </a:extLst>
+          </p:cNvPr>
+          <p:cNvSpPr txBox="1"/>
+          <p:nvPr/>
+        </p:nvSpPr>
+        <p:spPr>
+          <a:xfrm>
+            <a:off x="658090" y="3983181"/>
+            <a:ext cx="4078431" cy="861774"/>
+          </a:xfrm>
+          <a:prstGeom prst="rect">
+            <a:avLst/>
+          </a:prstGeom>
+          <a:noFill/>
+        </p:spPr>
+        <p:txBody>
+          <a:bodyPr rot="0" spcFirstLastPara="0" vertOverflow="overflow" horzOverflow="overflow" vert="horz" wrap="square" lIns="91440" tIns="45720" rIns="91440" bIns="45720" numCol="1" spcCol="0" rtlCol="0" fromWordArt="0" anchor="t" anchorCtr="0" forceAA="0" compatLnSpc="1">
+            <a:prstTxWarp prst="textNoShape">
+              <a:avLst/>
+            </a:prstTxWarp>
+            <a:spAutoFit/>
+          </a:bodyPr>
+          <a:lstStyle/>
+          <a:p>
+            <a:r>
+              <a:rPr lang="de-DE" sz="1600" dirty="0">
+                <a:solidFill>
+                  <a:srgbClr val="003366"/>
+                </a:solidFill>
+                <a:latin typeface="Arial"/>
+                <a:cs typeface="Arial"/>
+              </a:rPr>
+              <a:t>2. Response von Server: </a:t>
+            </a:r>
+            <a:endParaRPr lang="de-DE" sz="1600" dirty="0">
+              <a:solidFill>
+                <a:srgbClr val="003366"/>
+              </a:solidFill>
+              <a:cs typeface="Arial" charset="0"/>
+            </a:endParaRPr>
+          </a:p>
+          <a:p>
+            <a:r>
+              <a:rPr lang="de-DE" sz="1600" dirty="0">
+                <a:solidFill>
+                  <a:srgbClr val="003366"/>
+                </a:solidFill>
+                <a:latin typeface="Arial"/>
+                <a:cs typeface="Arial"/>
+              </a:rPr>
+              <a:t>M2p = E (</a:t>
+            </a:r>
+            <a:r>
+              <a:rPr lang="de-DE" sz="1600" dirty="0" err="1">
+                <a:solidFill>
+                  <a:srgbClr val="003366"/>
+                </a:solidFill>
+                <a:latin typeface="Arial"/>
+                <a:cs typeface="Arial"/>
+              </a:rPr>
+              <a:t>Ki</a:t>
+            </a:r>
+            <a:r>
+              <a:rPr lang="de-DE" sz="1600" dirty="0">
+                <a:solidFill>
+                  <a:srgbClr val="003366"/>
+                </a:solidFill>
+                <a:latin typeface="Arial"/>
+                <a:cs typeface="Arial"/>
+              </a:rPr>
+              <a:t>, (</a:t>
+            </a:r>
+            <a:r>
+              <a:rPr lang="de-DE" sz="1600" dirty="0" err="1">
+                <a:solidFill>
+                  <a:srgbClr val="003366"/>
+                </a:solidFill>
+                <a:latin typeface="Arial"/>
+                <a:cs typeface="Arial"/>
+              </a:rPr>
+              <a:t>Ns</a:t>
+            </a:r>
+            <a:r>
+              <a:rPr lang="de-DE" sz="1600" dirty="0">
+                <a:solidFill>
+                  <a:srgbClr val="003366"/>
+                </a:solidFill>
+                <a:latin typeface="Arial"/>
+                <a:cs typeface="Arial"/>
+              </a:rPr>
+              <a:t> || (</a:t>
+            </a:r>
+            <a:r>
+              <a:rPr lang="de-DE" sz="1600" dirty="0" err="1">
+                <a:solidFill>
+                  <a:srgbClr val="003366"/>
+                </a:solidFill>
+                <a:latin typeface="Arial"/>
+                <a:cs typeface="Arial"/>
+              </a:rPr>
+              <a:t>Ns</a:t>
+            </a:r>
+            <a:r>
+              <a:rPr lang="de-DE" sz="1600" dirty="0">
+                <a:solidFill>
+                  <a:srgbClr val="003366"/>
+                </a:solidFill>
+                <a:latin typeface="Arial"/>
+                <a:cs typeface="Arial"/>
+              </a:rPr>
+              <a:t> XOR </a:t>
+            </a:r>
+            <a:r>
+              <a:rPr lang="de-DE" sz="1600" dirty="0" err="1">
+                <a:solidFill>
+                  <a:srgbClr val="003366"/>
+                </a:solidFill>
+                <a:latin typeface="Arial"/>
+                <a:cs typeface="Arial"/>
+              </a:rPr>
+              <a:t>Nc</a:t>
+            </a:r>
+            <a:r>
+              <a:rPr lang="de-DE" sz="1600" dirty="0">
+                <a:solidFill>
+                  <a:srgbClr val="003366"/>
+                </a:solidFill>
+                <a:latin typeface="Arial"/>
+                <a:cs typeface="Arial"/>
+              </a:rPr>
+              <a:t>)) </a:t>
+            </a:r>
+            <a:endParaRPr lang="de-DE" sz="1600">
+              <a:solidFill>
+                <a:srgbClr val="003366"/>
+              </a:solidFill>
+              <a:cs typeface="Arial" charset="0"/>
+            </a:endParaRPr>
+          </a:p>
+          <a:p>
+            <a:endParaRPr lang="de-DE" dirty="0">
+              <a:cs typeface="Arial"/>
+            </a:endParaRPr>
+          </a:p>
+        </p:txBody>
+      </p:sp>
+      <p:sp>
+        <p:nvSpPr>
+          <p:cNvPr id="10" name="Textfeld 9">
+            <a:extLst>
+              <a:ext uri="{FF2B5EF4-FFF2-40B4-BE49-F238E27FC236}">
+                <a16:creationId xmlns:a16="http://schemas.microsoft.com/office/drawing/2014/main" id="{0F2803D6-4D5A-05C0-6649-C8F2B96EDA59}"/>
+              </a:ext>
+            </a:extLst>
+          </p:cNvPr>
+          <p:cNvSpPr txBox="1"/>
+          <p:nvPr/>
+        </p:nvSpPr>
+        <p:spPr>
+          <a:xfrm>
+            <a:off x="658090" y="2130136"/>
+            <a:ext cx="3825584" cy="523220"/>
+          </a:xfrm>
+          <a:prstGeom prst="rect">
+            <a:avLst/>
+          </a:prstGeom>
+          <a:noFill/>
+        </p:spPr>
+        <p:txBody>
+          <a:bodyPr rot="0" spcFirstLastPara="0" vertOverflow="overflow" horzOverflow="overflow" vert="horz" wrap="square" lIns="91440" tIns="45720" rIns="91440" bIns="45720" numCol="1" spcCol="0" rtlCol="0" fromWordArt="0" anchor="t" anchorCtr="0" forceAA="0" compatLnSpc="1">
+            <a:prstTxWarp prst="textNoShape">
+              <a:avLst/>
+            </a:prstTxWarp>
+            <a:spAutoFit/>
+          </a:bodyPr>
+          <a:lstStyle/>
+          <a:p>
+            <a:pPr marL="285750" indent="-285750">
+              <a:buFont typeface="Arial"/>
+              <a:buChar char="•"/>
+            </a:pPr>
+            <a:r>
+              <a:rPr lang="de-DE" sz="1400" dirty="0">
+                <a:solidFill>
+                  <a:srgbClr val="003366"/>
+                </a:solidFill>
+                <a:latin typeface="Arial"/>
+                <a:cs typeface="Arial"/>
+              </a:rPr>
+              <a:t>Gemeinsamer Geheimschlüssel (</a:t>
+            </a:r>
+            <a:r>
+              <a:rPr lang="de-DE" sz="1400" dirty="0" err="1">
+                <a:solidFill>
+                  <a:srgbClr val="003366"/>
+                </a:solidFill>
+                <a:latin typeface="Arial"/>
+                <a:cs typeface="Arial"/>
+              </a:rPr>
+              <a:t>Ki</a:t>
+            </a:r>
+            <a:r>
+              <a:rPr lang="de-DE" sz="1400" dirty="0">
+                <a:solidFill>
+                  <a:srgbClr val="003366"/>
+                </a:solidFill>
+                <a:latin typeface="Arial"/>
+                <a:cs typeface="Arial"/>
+              </a:rPr>
+              <a:t>)</a:t>
+            </a:r>
+            <a:endParaRPr lang="de-DE" sz="1400" dirty="0">
+              <a:solidFill>
+                <a:srgbClr val="003366"/>
+              </a:solidFill>
+              <a:cs typeface="Arial"/>
+            </a:endParaRPr>
+          </a:p>
+          <a:p>
+            <a:pPr marL="285750" indent="-285750" algn="l">
+              <a:buFont typeface="Arial"/>
+              <a:buChar char="•"/>
+            </a:pPr>
+            <a:endParaRPr lang="de-DE" sz="1400" dirty="0">
+              <a:solidFill>
+                <a:srgbClr val="003366"/>
+              </a:solidFill>
+              <a:cs typeface="Arial"/>
+            </a:endParaRPr>
+          </a:p>
+        </p:txBody>
+      </p:sp>
     </p:spTree>
     <p:extLst>
       <p:ext uri="{BB962C8B-B14F-4D97-AF65-F5344CB8AC3E}">
@@ -32329,6 +33889,367 @@
     <a:masterClrMapping/>
   </p:clrMapOvr>
   <p:transition spd="slow"/>
+  <p:timing>
+    <p:tnLst>
+      <p:par>
+        <p:cTn id="1" dur="indefinite" restart="never" nodeType="tmRoot">
+          <p:childTnLst>
+            <p:seq concurrent="1" nextAc="seek">
+              <p:cTn id="2" dur="indefinite" nodeType="mainSeq">
+                <p:childTnLst>
+                  <p:par>
+                    <p:cTn id="3" fill="hold">
+                      <p:stCondLst>
+                        <p:cond delay="indefinite"/>
+                      </p:stCondLst>
+                      <p:childTnLst>
+                        <p:par>
+                          <p:cTn id="4" fill="hold">
+                            <p:stCondLst>
+                              <p:cond delay="0"/>
+                            </p:stCondLst>
+                            <p:childTnLst>
+                              <p:par>
+                                <p:cTn id="5" presetID="1" presetClass="entr" presetSubtype="0" fill="hold" grpId="0" nodeType="clickEffect">
+                                  <p:stCondLst>
+                                    <p:cond delay="0"/>
+                                  </p:stCondLst>
+                                  <p:childTnLst>
+                                    <p:set>
+                                      <p:cBhvr>
+                                        <p:cTn id="6" dur="1" fill="hold">
+                                          <p:stCondLst>
+                                            <p:cond delay="0"/>
+                                          </p:stCondLst>
+                                        </p:cTn>
+                                        <p:tgtEl>
+                                          <p:spTgt spid="6"/>
+                                        </p:tgtEl>
+                                        <p:attrNameLst>
+                                          <p:attrName>style.visibility</p:attrName>
+                                        </p:attrNameLst>
+                                      </p:cBhvr>
+                                      <p:to>
+                                        <p:strVal val="visible"/>
+                                      </p:to>
+                                    </p:set>
+                                  </p:childTnLst>
+                                </p:cTn>
+                              </p:par>
+                            </p:childTnLst>
+                          </p:cTn>
+                        </p:par>
+                      </p:childTnLst>
+                    </p:cTn>
+                  </p:par>
+                  <p:par>
+                    <p:cTn id="7" fill="hold">
+                      <p:stCondLst>
+                        <p:cond delay="indefinite"/>
+                      </p:stCondLst>
+                      <p:childTnLst>
+                        <p:par>
+                          <p:cTn id="8" fill="hold">
+                            <p:stCondLst>
+                              <p:cond delay="0"/>
+                            </p:stCondLst>
+                            <p:childTnLst>
+                              <p:par>
+                                <p:cTn id="9" presetID="1" presetClass="entr" presetSubtype="0" fill="hold" grpId="0" nodeType="clickEffect">
+                                  <p:stCondLst>
+                                    <p:cond delay="0"/>
+                                  </p:stCondLst>
+                                  <p:childTnLst>
+                                    <p:set>
+                                      <p:cBhvr>
+                                        <p:cTn id="10" dur="1" fill="hold">
+                                          <p:stCondLst>
+                                            <p:cond delay="0"/>
+                                          </p:stCondLst>
+                                        </p:cTn>
+                                        <p:tgtEl>
+                                          <p:spTgt spid="10"/>
+                                        </p:tgtEl>
+                                        <p:attrNameLst>
+                                          <p:attrName>style.visibility</p:attrName>
+                                        </p:attrNameLst>
+                                      </p:cBhvr>
+                                      <p:to>
+                                        <p:strVal val="visible"/>
+                                      </p:to>
+                                    </p:set>
+                                  </p:childTnLst>
+                                </p:cTn>
+                              </p:par>
+                            </p:childTnLst>
+                          </p:cTn>
+                        </p:par>
+                      </p:childTnLst>
+                    </p:cTn>
+                  </p:par>
+                  <p:par>
+                    <p:cTn id="11" fill="hold">
+                      <p:stCondLst>
+                        <p:cond delay="indefinite"/>
+                      </p:stCondLst>
+                      <p:childTnLst>
+                        <p:par>
+                          <p:cTn id="12" fill="hold">
+                            <p:stCondLst>
+                              <p:cond delay="0"/>
+                            </p:stCondLst>
+                            <p:childTnLst>
+                              <p:par>
+                                <p:cTn id="13" presetID="10" presetClass="entr" presetSubtype="0" fill="hold" nodeType="clickEffect">
+                                  <p:stCondLst>
+                                    <p:cond delay="0"/>
+                                  </p:stCondLst>
+                                  <p:childTnLst>
+                                    <p:set>
+                                      <p:cBhvr>
+                                        <p:cTn id="14" dur="1" fill="hold">
+                                          <p:stCondLst>
+                                            <p:cond delay="0"/>
+                                          </p:stCondLst>
+                                        </p:cTn>
+                                        <p:tgtEl>
+                                          <p:spTgt spid="5"/>
+                                        </p:tgtEl>
+                                        <p:attrNameLst>
+                                          <p:attrName>style.visibility</p:attrName>
+                                        </p:attrNameLst>
+                                      </p:cBhvr>
+                                      <p:to>
+                                        <p:strVal val="visible"/>
+                                      </p:to>
+                                    </p:set>
+                                    <p:animEffect transition="in" filter="fade">
+                                      <p:cBhvr>
+                                        <p:cTn id="15" dur="500"/>
+                                        <p:tgtEl>
+                                          <p:spTgt spid="5"/>
+                                        </p:tgtEl>
+                                      </p:cBhvr>
+                                    </p:animEffect>
+                                  </p:childTnLst>
+                                </p:cTn>
+                              </p:par>
+                            </p:childTnLst>
+                          </p:cTn>
+                        </p:par>
+                      </p:childTnLst>
+                    </p:cTn>
+                  </p:par>
+                  <p:par>
+                    <p:cTn id="16" fill="hold">
+                      <p:stCondLst>
+                        <p:cond delay="indefinite"/>
+                      </p:stCondLst>
+                      <p:childTnLst>
+                        <p:par>
+                          <p:cTn id="17" fill="hold">
+                            <p:stCondLst>
+                              <p:cond delay="0"/>
+                            </p:stCondLst>
+                            <p:childTnLst>
+                              <p:par>
+                                <p:cTn id="18" presetID="23" presetClass="entr" presetSubtype="16" fill="hold" grpId="0" nodeType="clickEffect">
+                                  <p:stCondLst>
+                                    <p:cond delay="0"/>
+                                  </p:stCondLst>
+                                  <p:childTnLst>
+                                    <p:set>
+                                      <p:cBhvr>
+                                        <p:cTn id="19" dur="1" fill="hold">
+                                          <p:stCondLst>
+                                            <p:cond delay="0"/>
+                                          </p:stCondLst>
+                                        </p:cTn>
+                                        <p:tgtEl>
+                                          <p:spTgt spid="8"/>
+                                        </p:tgtEl>
+                                        <p:attrNameLst>
+                                          <p:attrName>style.visibility</p:attrName>
+                                        </p:attrNameLst>
+                                      </p:cBhvr>
+                                      <p:to>
+                                        <p:strVal val="visible"/>
+                                      </p:to>
+                                    </p:set>
+                                    <p:anim calcmode="lin" valueType="num">
+                                      <p:cBhvr>
+                                        <p:cTn id="20" dur="500" fill="hold"/>
+                                        <p:tgtEl>
+                                          <p:spTgt spid="8"/>
+                                        </p:tgtEl>
+                                        <p:attrNameLst>
+                                          <p:attrName>ppt_w</p:attrName>
+                                        </p:attrNameLst>
+                                      </p:cBhvr>
+                                      <p:tavLst>
+                                        <p:tav tm="0">
+                                          <p:val>
+                                            <p:fltVal val="0"/>
+                                          </p:val>
+                                        </p:tav>
+                                        <p:tav tm="100000">
+                                          <p:val>
+                                            <p:strVal val="#ppt_w"/>
+                                          </p:val>
+                                        </p:tav>
+                                      </p:tavLst>
+                                    </p:anim>
+                                    <p:anim calcmode="lin" valueType="num">
+                                      <p:cBhvr>
+                                        <p:cTn id="21" dur="500" fill="hold"/>
+                                        <p:tgtEl>
+                                          <p:spTgt spid="8"/>
+                                        </p:tgtEl>
+                                        <p:attrNameLst>
+                                          <p:attrName>ppt_h</p:attrName>
+                                        </p:attrNameLst>
+                                      </p:cBhvr>
+                                      <p:tavLst>
+                                        <p:tav tm="0">
+                                          <p:val>
+                                            <p:fltVal val="0"/>
+                                          </p:val>
+                                        </p:tav>
+                                        <p:tav tm="100000">
+                                          <p:val>
+                                            <p:strVal val="#ppt_h"/>
+                                          </p:val>
+                                        </p:tav>
+                                      </p:tavLst>
+                                    </p:anim>
+                                  </p:childTnLst>
+                                </p:cTn>
+                              </p:par>
+                            </p:childTnLst>
+                          </p:cTn>
+                        </p:par>
+                      </p:childTnLst>
+                    </p:cTn>
+                  </p:par>
+                  <p:par>
+                    <p:cTn id="22" fill="hold">
+                      <p:stCondLst>
+                        <p:cond delay="indefinite"/>
+                      </p:stCondLst>
+                      <p:childTnLst>
+                        <p:par>
+                          <p:cTn id="23" fill="hold">
+                            <p:stCondLst>
+                              <p:cond delay="0"/>
+                            </p:stCondLst>
+                            <p:childTnLst>
+                              <p:par>
+                                <p:cTn id="24" presetID="23" presetClass="entr" presetSubtype="16" fill="hold" grpId="0" nodeType="clickEffect">
+                                  <p:stCondLst>
+                                    <p:cond delay="0"/>
+                                  </p:stCondLst>
+                                  <p:childTnLst>
+                                    <p:set>
+                                      <p:cBhvr>
+                                        <p:cTn id="25" dur="1" fill="hold">
+                                          <p:stCondLst>
+                                            <p:cond delay="0"/>
+                                          </p:stCondLst>
+                                        </p:cTn>
+                                        <p:tgtEl>
+                                          <p:spTgt spid="9"/>
+                                        </p:tgtEl>
+                                        <p:attrNameLst>
+                                          <p:attrName>style.visibility</p:attrName>
+                                        </p:attrNameLst>
+                                      </p:cBhvr>
+                                      <p:to>
+                                        <p:strVal val="visible"/>
+                                      </p:to>
+                                    </p:set>
+                                    <p:anim calcmode="lin" valueType="num">
+                                      <p:cBhvr>
+                                        <p:cTn id="26" dur="500" fill="hold"/>
+                                        <p:tgtEl>
+                                          <p:spTgt spid="9"/>
+                                        </p:tgtEl>
+                                        <p:attrNameLst>
+                                          <p:attrName>ppt_w</p:attrName>
+                                        </p:attrNameLst>
+                                      </p:cBhvr>
+                                      <p:tavLst>
+                                        <p:tav tm="0">
+                                          <p:val>
+                                            <p:fltVal val="0"/>
+                                          </p:val>
+                                        </p:tav>
+                                        <p:tav tm="100000">
+                                          <p:val>
+                                            <p:strVal val="#ppt_w"/>
+                                          </p:val>
+                                        </p:tav>
+                                      </p:tavLst>
+                                    </p:anim>
+                                    <p:anim calcmode="lin" valueType="num">
+                                      <p:cBhvr>
+                                        <p:cTn id="27" dur="500" fill="hold"/>
+                                        <p:tgtEl>
+                                          <p:spTgt spid="9"/>
+                                        </p:tgtEl>
+                                        <p:attrNameLst>
+                                          <p:attrName>ppt_h</p:attrName>
+                                        </p:attrNameLst>
+                                      </p:cBhvr>
+                                      <p:tavLst>
+                                        <p:tav tm="0">
+                                          <p:val>
+                                            <p:fltVal val="0"/>
+                                          </p:val>
+                                        </p:tav>
+                                        <p:tav tm="100000">
+                                          <p:val>
+                                            <p:strVal val="#ppt_h"/>
+                                          </p:val>
+                                        </p:tav>
+                                      </p:tavLst>
+                                    </p:anim>
+                                  </p:childTnLst>
+                                </p:cTn>
+                              </p:par>
+                            </p:childTnLst>
+                          </p:cTn>
+                        </p:par>
+                      </p:childTnLst>
+                    </p:cTn>
+                  </p:par>
+                </p:childTnLst>
+              </p:cTn>
+              <p:prevCondLst>
+                <p:cond evt="onPrev" delay="0">
+                  <p:tgtEl>
+                    <p:sldTgt/>
+                  </p:tgtEl>
+                </p:cond>
+              </p:prevCondLst>
+              <p:nextCondLst>
+                <p:cond evt="onNext" delay="0">
+                  <p:tgtEl>
+                    <p:sldTgt/>
+                  </p:tgtEl>
+                </p:cond>
+              </p:nextCondLst>
+            </p:seq>
+          </p:childTnLst>
+        </p:cTn>
+      </p:par>
+    </p:tnLst>
+    <p:bldLst>
+      <p:bldP spid="6" grpId="0"/>
+      <p:bldP spid="8" grpId="0"/>
+      <p:bldP spid="9" grpId="0"/>
+      <p:bldP spid="10" grpId="0"/>
+    </p:bldLst>
+  </p:timing>
 </p:sld>
 </file>
 
